--- a/Meli_Challenge.pptx
+++ b/Meli_Challenge.pptx
@@ -3940,7 +3940,7 @@
           <a:p>
             <a:fld id="{17251211-591B-494D-8FE0-6D0FFDB89806}" type="datetimeFigureOut">
               <a:rPr lang="es-CO" smtClean="0"/>
-              <a:t>16/01/2025</a:t>
+              <a:t>17/01/2025</a:t>
             </a:fld>
             <a:endParaRPr lang="es-CO"/>
           </a:p>
@@ -4140,7 +4140,7 @@
           <a:p>
             <a:fld id="{17251211-591B-494D-8FE0-6D0FFDB89806}" type="datetimeFigureOut">
               <a:rPr lang="es-CO" smtClean="0"/>
-              <a:t>16/01/2025</a:t>
+              <a:t>17/01/2025</a:t>
             </a:fld>
             <a:endParaRPr lang="es-CO"/>
           </a:p>
@@ -4350,7 +4350,7 @@
           <a:p>
             <a:fld id="{17251211-591B-494D-8FE0-6D0FFDB89806}" type="datetimeFigureOut">
               <a:rPr lang="es-CO" smtClean="0"/>
-              <a:t>16/01/2025</a:t>
+              <a:t>17/01/2025</a:t>
             </a:fld>
             <a:endParaRPr lang="es-CO"/>
           </a:p>
@@ -4550,7 +4550,7 @@
           <a:p>
             <a:fld id="{17251211-591B-494D-8FE0-6D0FFDB89806}" type="datetimeFigureOut">
               <a:rPr lang="es-CO" smtClean="0"/>
-              <a:t>16/01/2025</a:t>
+              <a:t>17/01/2025</a:t>
             </a:fld>
             <a:endParaRPr lang="es-CO"/>
           </a:p>
@@ -4826,7 +4826,7 @@
           <a:p>
             <a:fld id="{17251211-591B-494D-8FE0-6D0FFDB89806}" type="datetimeFigureOut">
               <a:rPr lang="es-CO" smtClean="0"/>
-              <a:t>16/01/2025</a:t>
+              <a:t>17/01/2025</a:t>
             </a:fld>
             <a:endParaRPr lang="es-CO"/>
           </a:p>
@@ -5094,7 +5094,7 @@
           <a:p>
             <a:fld id="{17251211-591B-494D-8FE0-6D0FFDB89806}" type="datetimeFigureOut">
               <a:rPr lang="es-CO" smtClean="0"/>
-              <a:t>16/01/2025</a:t>
+              <a:t>17/01/2025</a:t>
             </a:fld>
             <a:endParaRPr lang="es-CO"/>
           </a:p>
@@ -5509,7 +5509,7 @@
           <a:p>
             <a:fld id="{17251211-591B-494D-8FE0-6D0FFDB89806}" type="datetimeFigureOut">
               <a:rPr lang="es-CO" smtClean="0"/>
-              <a:t>16/01/2025</a:t>
+              <a:t>17/01/2025</a:t>
             </a:fld>
             <a:endParaRPr lang="es-CO"/>
           </a:p>
@@ -5651,7 +5651,7 @@
           <a:p>
             <a:fld id="{17251211-591B-494D-8FE0-6D0FFDB89806}" type="datetimeFigureOut">
               <a:rPr lang="es-CO" smtClean="0"/>
-              <a:t>16/01/2025</a:t>
+              <a:t>17/01/2025</a:t>
             </a:fld>
             <a:endParaRPr lang="es-CO"/>
           </a:p>
@@ -5764,7 +5764,7 @@
           <a:p>
             <a:fld id="{17251211-591B-494D-8FE0-6D0FFDB89806}" type="datetimeFigureOut">
               <a:rPr lang="es-CO" smtClean="0"/>
-              <a:t>16/01/2025</a:t>
+              <a:t>17/01/2025</a:t>
             </a:fld>
             <a:endParaRPr lang="es-CO"/>
           </a:p>
@@ -6077,7 +6077,7 @@
           <a:p>
             <a:fld id="{17251211-591B-494D-8FE0-6D0FFDB89806}" type="datetimeFigureOut">
               <a:rPr lang="es-CO" smtClean="0"/>
-              <a:t>16/01/2025</a:t>
+              <a:t>17/01/2025</a:t>
             </a:fld>
             <a:endParaRPr lang="es-CO"/>
           </a:p>
@@ -6366,7 +6366,7 @@
           <a:p>
             <a:fld id="{17251211-591B-494D-8FE0-6D0FFDB89806}" type="datetimeFigureOut">
               <a:rPr lang="es-CO" smtClean="0"/>
-              <a:t>16/01/2025</a:t>
+              <a:t>17/01/2025</a:t>
             </a:fld>
             <a:endParaRPr lang="es-CO"/>
           </a:p>
@@ -6609,7 +6609,7 @@
           <a:p>
             <a:fld id="{17251211-591B-494D-8FE0-6D0FFDB89806}" type="datetimeFigureOut">
               <a:rPr lang="es-CO" smtClean="0"/>
-              <a:t>16/01/2025</a:t>
+              <a:t>17/01/2025</a:t>
             </a:fld>
             <a:endParaRPr lang="es-CO"/>
           </a:p>
@@ -8202,7 +8202,7 @@
               <a:rPr lang="es-ES" sz="1400" dirty="0">
                 <a:latin typeface="Harabara Mais Demo" panose="020B0603050302020204" pitchFamily="34" charset="0"/>
               </a:rPr>
-              <a:t>Participación del 9.13%, más del 80% poseen campañas de marketing, cerca del 80% tienen medalla , destacan por ofrecer bastantes descuentos  donde tienen 2.2 desviaciones sobre la media aunque sus precios se diferencian mucho de los otros .</a:t>
+              <a:t>Participación del 9.13%, más del 80% poseen campañas de marketing, cerca del 80% tienen medalla , destacan por ofrecer bastantes descuentos  donde tienen 2.2 desviaciones sobre la media aunque sus precios no se diferencian mucho de los otros .</a:t>
             </a:r>
             <a:endParaRPr lang="en-US" sz="1400" dirty="0">
               <a:latin typeface="Harabara Mais Demo" panose="020B0603050302020204" pitchFamily="34" charset="0"/>
@@ -9782,7 +9782,7 @@
             <p:spPr>
               <a:xfrm>
                 <a:off x="6280620" y="3266647"/>
-                <a:ext cx="2897579" cy="1167114"/>
+                <a:ext cx="2897579" cy="953174"/>
               </a:xfrm>
               <a:prstGeom prst="rect">
                 <a:avLst/>
@@ -9838,7 +9838,7 @@
                   <a:rPr lang="en-US" sz="2400" b="1" dirty="0" err="1">
                     <a:latin typeface="Harabara Mais Demo" panose="020B0603050302020204" pitchFamily="34" charset="0"/>
                   </a:rPr>
-                  <a:t>particioacón</a:t>
+                  <a:t>participación</a:t>
                 </a:r>
                 <a:r>
                   <a:rPr lang="en-US" sz="2400" b="1" dirty="0">
@@ -10796,7 +10796,19 @@
               <a:rPr lang="en-US" dirty="0">
                 <a:latin typeface="Harabara Mais Demo" panose="020B0603050302020204" pitchFamily="34" charset="0"/>
               </a:rPr>
-              <a:t> campana.</a:t>
+              <a:t> </a:t>
+            </a:r>
+            <a:r>
+              <a:rPr lang="en-US" dirty="0" err="1">
+                <a:latin typeface="Harabara Mais Demo" panose="020B0603050302020204" pitchFamily="34" charset="0"/>
+              </a:rPr>
+              <a:t>campaña</a:t>
+            </a:r>
+            <a:r>
+              <a:rPr lang="en-US" dirty="0">
+                <a:latin typeface="Harabara Mais Demo" panose="020B0603050302020204" pitchFamily="34" charset="0"/>
+              </a:rPr>
+              <a:t>.</a:t>
             </a:r>
           </a:p>
           <a:p>
@@ -11365,12 +11377,9 @@
                 <a:spcPts val="600"/>
               </a:spcAft>
             </a:pPr>
-            <a:r>
-              <a:rPr lang="en-US" dirty="0">
-                <a:latin typeface="Harabara Mais Demo" panose="020B0603050302020204" pitchFamily="34" charset="0"/>
-              </a:rPr>
-              <a:t>.</a:t>
-            </a:r>
+            <a:endParaRPr lang="en-US" dirty="0">
+              <a:latin typeface="Harabara Mais Demo" panose="020B0603050302020204" pitchFamily="34" charset="0"/>
+            </a:endParaRPr>
           </a:p>
           <a:p>
             <a:pPr marL="285750" indent="-285750">
@@ -13175,7 +13184,67 @@
               <a:rPr lang="en-US" sz="1100" dirty="0">
                 <a:latin typeface="Harabara Mais Demo" panose="020B0603050302020204" pitchFamily="34" charset="0"/>
               </a:rPr>
-              <a:t>Nota : Fuente API de </a:t>
+              <a:t>Nota : *No se </a:t>
+            </a:r>
+            <a:r>
+              <a:rPr lang="en-US" sz="1100" dirty="0" err="1">
+                <a:latin typeface="Harabara Mais Demo" panose="020B0603050302020204" pitchFamily="34" charset="0"/>
+              </a:rPr>
+              <a:t>tiene</a:t>
+            </a:r>
+            <a:r>
+              <a:rPr lang="en-US" sz="1100" dirty="0">
+                <a:latin typeface="Harabara Mais Demo" panose="020B0603050302020204" pitchFamily="34" charset="0"/>
+              </a:rPr>
+              <a:t> </a:t>
+            </a:r>
+            <a:r>
+              <a:rPr lang="en-US" sz="1100" dirty="0" err="1">
+                <a:latin typeface="Harabara Mais Demo" panose="020B0603050302020204" pitchFamily="34" charset="0"/>
+              </a:rPr>
+              <a:t>encuenta</a:t>
+            </a:r>
+            <a:r>
+              <a:rPr lang="en-US" sz="1100" dirty="0">
+                <a:latin typeface="Harabara Mais Demo" panose="020B0603050302020204" pitchFamily="34" charset="0"/>
+              </a:rPr>
+              <a:t> la </a:t>
+            </a:r>
+            <a:r>
+              <a:rPr lang="en-US" sz="1100" dirty="0" err="1">
+                <a:latin typeface="Harabara Mais Demo" panose="020B0603050302020204" pitchFamily="34" charset="0"/>
+              </a:rPr>
+              <a:t>categoría</a:t>
+            </a:r>
+            <a:r>
+              <a:rPr lang="en-US" sz="1100" dirty="0">
+                <a:latin typeface="Harabara Mais Demo" panose="020B0603050302020204" pitchFamily="34" charset="0"/>
+              </a:rPr>
+              <a:t> </a:t>
+            </a:r>
+            <a:r>
+              <a:rPr lang="en-US" sz="1100" dirty="0" err="1">
+                <a:latin typeface="Harabara Mais Demo" panose="020B0603050302020204" pitchFamily="34" charset="0"/>
+              </a:rPr>
+              <a:t>inmuebles</a:t>
+            </a:r>
+            <a:r>
+              <a:rPr lang="en-US" sz="1100" dirty="0">
+                <a:latin typeface="Harabara Mais Demo" panose="020B0603050302020204" pitchFamily="34" charset="0"/>
+              </a:rPr>
+              <a:t>, </a:t>
+            </a:r>
+            <a:r>
+              <a:rPr lang="en-US" sz="1100" dirty="0" err="1">
+                <a:latin typeface="Harabara Mais Demo" panose="020B0603050302020204" pitchFamily="34" charset="0"/>
+              </a:rPr>
+              <a:t>fuente</a:t>
+            </a:r>
+            <a:r>
+              <a:rPr lang="en-US" sz="1100" dirty="0">
+                <a:latin typeface="Harabara Mais Demo" panose="020B0603050302020204" pitchFamily="34" charset="0"/>
+              </a:rPr>
+              <a:t> API de </a:t>
             </a:r>
             <a:r>
               <a:rPr lang="en-US" sz="1100" dirty="0" err="1">
@@ -13360,7 +13429,7 @@
               <a:rPr lang="en-US" sz="2000" dirty="0">
                 <a:latin typeface="Harabara Mais Demo" panose="020B0603050302020204" pitchFamily="34" charset="0"/>
               </a:rPr>
-              <a:t> </a:t>
+              <a:t>* </a:t>
             </a:r>
             <a:r>
               <a:rPr lang="en-US" sz="2000" dirty="0" err="1">
@@ -13903,7 +13972,7 @@
               <a:rPr lang="en-US" sz="2000" dirty="0" err="1">
                 <a:latin typeface="Harabara Mais Demo" panose="020B0603050302020204" pitchFamily="34" charset="0"/>
               </a:rPr>
-              <a:t>categorias</a:t>
+              <a:t>categorías</a:t>
             </a:r>
             <a:r>
               <a:rPr lang="en-US" sz="2000" dirty="0">
@@ -14483,16 +14552,10 @@
               </a:spcAft>
             </a:pPr>
             <a:r>
-              <a:rPr lang="es-ES" sz="2000" dirty="0" err="1">
-                <a:latin typeface="Harabara Mais Demo" panose="020B0603050302020204" pitchFamily="34" charset="0"/>
-              </a:rPr>
-              <a:t>Tambien</a:t>
-            </a:r>
-            <a:r>
               <a:rPr lang="es-ES" sz="2000" dirty="0">
                 <a:latin typeface="Harabara Mais Demo" panose="020B0603050302020204" pitchFamily="34" charset="0"/>
               </a:rPr>
-              <a:t> se ve puede ver que los normalmente no tienen incentivos al comprador como descuentos o cuotas de pago.</a:t>
+              <a:t>También se ve puede ver que los Sellers normalmente no tienen incentivos al comprador como descuentos o cuotas de pago.</a:t>
             </a:r>
           </a:p>
           <a:p>
@@ -14533,7 +14596,7 @@
               <a:rPr lang="es-ES" sz="2000" dirty="0">
                 <a:latin typeface="Harabara Mais Demo" panose="020B0603050302020204" pitchFamily="34" charset="0"/>
               </a:rPr>
-              <a:t> suelen a no tener más de 5 categorías</a:t>
+              <a:t> suelen no tener más de 5 categorías</a:t>
             </a:r>
             <a:endParaRPr lang="en-US" sz="2000" dirty="0">
               <a:latin typeface="Harabara Mais Demo" panose="020B0603050302020204" pitchFamily="34" charset="0"/>
@@ -16831,10 +16894,10 @@
       </p:sp>
       <p:sp>
         <p:nvSpPr>
-          <p:cNvPr id="19" name="CuadroTexto 1">
+          <p:cNvPr id="3" name="CuadroTexto 1">
             <a:extLst>
               <a:ext uri="{FF2B5EF4-FFF2-40B4-BE49-F238E27FC236}">
-                <a16:creationId xmlns:a16="http://schemas.microsoft.com/office/drawing/2014/main" id="{1A789369-AEBD-786D-5F28-288670D0B442}"/>
+                <a16:creationId xmlns:a16="http://schemas.microsoft.com/office/drawing/2014/main" id="{ACA5DFC2-6CFA-7B7D-4819-9DF5E60FF69D}"/>
               </a:ext>
             </a:extLst>
           </p:cNvPr>
@@ -16843,7 +16906,7 @@
         </p:nvSpPr>
         <p:spPr>
           <a:xfrm>
-            <a:off x="253646" y="6416211"/>
+            <a:off x="406046" y="6568611"/>
             <a:ext cx="11750915" cy="433661"/>
           </a:xfrm>
           <a:prstGeom prst="rect">
@@ -16868,13 +16931,37 @@
               <a:rPr lang="en-US" sz="1100" dirty="0">
                 <a:latin typeface="Harabara Mais Demo" panose="020B0603050302020204" pitchFamily="34" charset="0"/>
               </a:rPr>
-              <a:t>Nota : Fuente API de </a:t>
+              <a:t>Nota : Mas </a:t>
             </a:r>
             <a:r>
               <a:rPr lang="en-US" sz="1100" dirty="0" err="1">
                 <a:latin typeface="Harabara Mais Demo" panose="020B0603050302020204" pitchFamily="34" charset="0"/>
               </a:rPr>
-              <a:t>mercadolibre</a:t>
+              <a:t>detalles</a:t>
+            </a:r>
+            <a:r>
+              <a:rPr lang="en-US" sz="1100" dirty="0">
+                <a:latin typeface="Harabara Mais Demo" panose="020B0603050302020204" pitchFamily="34" charset="0"/>
+              </a:rPr>
+              <a:t> </a:t>
+            </a:r>
+            <a:r>
+              <a:rPr lang="en-US" sz="1100" dirty="0" err="1">
+                <a:latin typeface="Harabara Mais Demo" panose="020B0603050302020204" pitchFamily="34" charset="0"/>
+              </a:rPr>
+              <a:t>en</a:t>
+            </a:r>
+            <a:r>
+              <a:rPr lang="en-US" sz="1100" dirty="0">
+                <a:latin typeface="Harabara Mais Demo" panose="020B0603050302020204" pitchFamily="34" charset="0"/>
+              </a:rPr>
+              <a:t> </a:t>
+            </a:r>
+            <a:r>
+              <a:rPr lang="en-US" sz="1100" dirty="0" err="1">
+                <a:latin typeface="Harabara Mais Demo" panose="020B0603050302020204" pitchFamily="34" charset="0"/>
+              </a:rPr>
+              <a:t>Meli_challenge.ipynb</a:t>
             </a:r>
             <a:endParaRPr lang="en-US" sz="1100" dirty="0">
               <a:latin typeface="Harabara Mais Demo" panose="020B0603050302020204" pitchFamily="34" charset="0"/>
@@ -17129,7 +17216,7 @@
               <a:rPr lang="en-US" sz="2000" dirty="0" err="1">
                 <a:latin typeface="Harabara Mais Demo" panose="020B0603050302020204" pitchFamily="34" charset="0"/>
               </a:rPr>
-              <a:t>Metodologia</a:t>
+              <a:t>Metodología</a:t>
             </a:r>
             <a:endParaRPr lang="en-US" sz="2000" dirty="0">
               <a:latin typeface="Harabara Mais Demo" panose="020B0603050302020204" pitchFamily="34" charset="0"/>
@@ -17864,21 +17951,6 @@
 </file>
 
 <file path=customXml/item1.xml><?xml version="1.0" encoding="utf-8"?>
-<p:properties xmlns:p="http://schemas.microsoft.com/office/2006/metadata/properties" xmlns:xsi="http://www.w3.org/2001/XMLSchema-instance" xmlns:pc="http://schemas.microsoft.com/office/infopath/2007/PartnerControls">
-  <documentManagement/>
-</p:properties>
-</file>
-
-<file path=customXml/item2.xml><?xml version="1.0" encoding="utf-8"?>
-<?mso-contentType ?>
-<FormTemplates xmlns="http://schemas.microsoft.com/sharepoint/v3/contenttype/forms">
-  <Display>DocumentLibraryForm</Display>
-  <Edit>DocumentLibraryForm</Edit>
-  <New>DocumentLibraryForm</New>
-</FormTemplates>
-</file>
-
-<file path=customXml/item3.xml><?xml version="1.0" encoding="utf-8"?>
 <ct:contentTypeSchema xmlns:ct="http://schemas.microsoft.com/office/2006/metadata/contentType" xmlns:ma="http://schemas.microsoft.com/office/2006/metadata/properties/metaAttributes" ct:_="" ma:_="" ma:contentTypeName="Documento" ma:contentTypeID="0x0101005EBA1C5442BA7E47A8A8B2E15D6E9587" ma:contentTypeVersion="2" ma:contentTypeDescription="Crear nuevo documento." ma:contentTypeScope="" ma:versionID="871f840b1e531ce9adbf7a3b33e33505">
   <xsd:schema xmlns:xsd="http://www.w3.org/2001/XMLSchema" xmlns:xs="http://www.w3.org/2001/XMLSchema" xmlns:p="http://schemas.microsoft.com/office/2006/metadata/properties" xmlns:ns3="b4849403-10ad-4c23-b664-5e34b11fe8af" targetNamespace="http://schemas.microsoft.com/office/2006/metadata/properties" ma:root="true" ma:fieldsID="1602b7b430e364b60cc8aa26874fd2b6" ns3:_="">
     <xsd:import namespace="b4849403-10ad-4c23-b664-5e34b11fe8af"/>
@@ -18010,31 +18082,22 @@
 </ct:contentTypeSchema>
 </file>
 
-<file path=customXml/itemProps1.xml><?xml version="1.0" encoding="utf-8"?>
-<ds:datastoreItem xmlns:ds="http://schemas.openxmlformats.org/officeDocument/2006/customXml" ds:itemID="{C2B43857-BCB8-4838-886A-D8F602897CFD}">
-  <ds:schemaRefs>
-    <ds:schemaRef ds:uri="http://purl.org/dc/elements/1.1/"/>
-    <ds:schemaRef ds:uri="http://www.w3.org/XML/1998/namespace"/>
-    <ds:schemaRef ds:uri="b4849403-10ad-4c23-b664-5e34b11fe8af"/>
-    <ds:schemaRef ds:uri="http://schemas.microsoft.com/office/2006/documentManagement/types"/>
-    <ds:schemaRef ds:uri="http://schemas.microsoft.com/office/infopath/2007/PartnerControls"/>
-    <ds:schemaRef ds:uri="http://schemas.openxmlformats.org/package/2006/metadata/core-properties"/>
-    <ds:schemaRef ds:uri="http://schemas.microsoft.com/office/2006/metadata/properties"/>
-    <ds:schemaRef ds:uri="http://purl.org/dc/dcmitype/"/>
-    <ds:schemaRef ds:uri="http://purl.org/dc/terms/"/>
-  </ds:schemaRefs>
-</ds:datastoreItem>
+<file path=customXml/item2.xml><?xml version="1.0" encoding="utf-8"?>
+<?mso-contentType ?>
+<FormTemplates xmlns="http://schemas.microsoft.com/sharepoint/v3/contenttype/forms">
+  <Display>DocumentLibraryForm</Display>
+  <Edit>DocumentLibraryForm</Edit>
+  <New>DocumentLibraryForm</New>
+</FormTemplates>
 </file>
 
-<file path=customXml/itemProps2.xml><?xml version="1.0" encoding="utf-8"?>
-<ds:datastoreItem xmlns:ds="http://schemas.openxmlformats.org/officeDocument/2006/customXml" ds:itemID="{9BA9F592-64FD-43E6-BE3D-A2451642B871}">
-  <ds:schemaRefs>
-    <ds:schemaRef ds:uri="http://schemas.microsoft.com/sharepoint/v3/contenttype/forms"/>
-  </ds:schemaRefs>
-</ds:datastoreItem>
+<file path=customXml/item3.xml><?xml version="1.0" encoding="utf-8"?>
+<p:properties xmlns:p="http://schemas.microsoft.com/office/2006/metadata/properties" xmlns:xsi="http://www.w3.org/2001/XMLSchema-instance" xmlns:pc="http://schemas.microsoft.com/office/infopath/2007/PartnerControls">
+  <documentManagement/>
+</p:properties>
 </file>
 
-<file path=customXml/itemProps3.xml><?xml version="1.0" encoding="utf-8"?>
+<file path=customXml/itemProps1.xml><?xml version="1.0" encoding="utf-8"?>
 <ds:datastoreItem xmlns:ds="http://schemas.openxmlformats.org/officeDocument/2006/customXml" ds:itemID="{A9B5C8FE-9533-436C-8C4D-D94A7AF0BBDC}">
   <ds:schemaRefs>
     <ds:schemaRef ds:uri="http://schemas.microsoft.com/office/2006/metadata/contentType"/>
@@ -18050,4 +18113,28 @@
     <ds:schemaRef ds:uri="http://schemas.microsoft.com/internal/obd"/>
   </ds:schemaRefs>
 </ds:datastoreItem>
+</file>
+
+<file path=customXml/itemProps2.xml><?xml version="1.0" encoding="utf-8"?>
+<ds:datastoreItem xmlns:ds="http://schemas.openxmlformats.org/officeDocument/2006/customXml" ds:itemID="{9BA9F592-64FD-43E6-BE3D-A2451642B871}">
+  <ds:schemaRefs>
+    <ds:schemaRef ds:uri="http://schemas.microsoft.com/sharepoint/v3/contenttype/forms"/>
+  </ds:schemaRefs>
+</ds:datastoreItem>
+</file>
+
+<file path=customXml/itemProps3.xml><?xml version="1.0" encoding="utf-8"?>
+<ds:datastoreItem xmlns:ds="http://schemas.openxmlformats.org/officeDocument/2006/customXml" ds:itemID="{C2B43857-BCB8-4838-886A-D8F602897CFD}">
+  <ds:schemaRefs>
+    <ds:schemaRef ds:uri="http://purl.org/dc/elements/1.1/"/>
+    <ds:schemaRef ds:uri="http://www.w3.org/XML/1998/namespace"/>
+    <ds:schemaRef ds:uri="b4849403-10ad-4c23-b664-5e34b11fe8af"/>
+    <ds:schemaRef ds:uri="http://schemas.microsoft.com/office/2006/documentManagement/types"/>
+    <ds:schemaRef ds:uri="http://schemas.microsoft.com/office/infopath/2007/PartnerControls"/>
+    <ds:schemaRef ds:uri="http://schemas.openxmlformats.org/package/2006/metadata/core-properties"/>
+    <ds:schemaRef ds:uri="http://schemas.microsoft.com/office/2006/metadata/properties"/>
+    <ds:schemaRef ds:uri="http://purl.org/dc/dcmitype/"/>
+    <ds:schemaRef ds:uri="http://purl.org/dc/terms/"/>
+  </ds:schemaRefs>
+</ds:datastoreItem>
 </file>